--- a/授業スライド/制御授業資料1/制御授業資料1_パスの指定.pptx
+++ b/授業スライド/制御授業資料1/制御授業資料1_パスの指定.pptx
@@ -1321,7 +1321,7 @@
           <a:p>
             <a:fld id="{8B046845-BD2A-4164-A217-1E01ECF08524}" type="datetimeFigureOut">
               <a:rPr kumimoji="1" lang="ja-JP" altLang="en-US" smtClean="0"/>
-              <a:t>2022/5/26</a:t>
+              <a:t>2022/5/27</a:t>
             </a:fld>
             <a:endParaRPr kumimoji="1" lang="ja-JP" altLang="en-US"/>
           </a:p>
@@ -3229,7 +3229,7 @@
           <a:p>
             <a:fld id="{E8E694D9-23C1-429E-ADCA-FDB719CC5AE0}" type="datetimeFigureOut">
               <a:rPr kumimoji="1" lang="ja-JP" altLang="en-US" smtClean="0"/>
-              <a:t>2022/5/26</a:t>
+              <a:t>2022/5/27</a:t>
             </a:fld>
             <a:endParaRPr kumimoji="1" lang="ja-JP" altLang="en-US"/>
           </a:p>
@@ -3459,7 +3459,7 @@
           <a:p>
             <a:fld id="{E8E694D9-23C1-429E-ADCA-FDB719CC5AE0}" type="datetimeFigureOut">
               <a:rPr kumimoji="1" lang="ja-JP" altLang="en-US" smtClean="0"/>
-              <a:t>2022/5/26</a:t>
+              <a:t>2022/5/27</a:t>
             </a:fld>
             <a:endParaRPr kumimoji="1" lang="ja-JP" altLang="en-US"/>
           </a:p>
@@ -3699,7 +3699,7 @@
           <a:p>
             <a:fld id="{E8E694D9-23C1-429E-ADCA-FDB719CC5AE0}" type="datetimeFigureOut">
               <a:rPr kumimoji="1" lang="ja-JP" altLang="en-US" smtClean="0"/>
-              <a:t>2022/5/26</a:t>
+              <a:t>2022/5/27</a:t>
             </a:fld>
             <a:endParaRPr kumimoji="1" lang="ja-JP" altLang="en-US"/>
           </a:p>
@@ -3929,7 +3929,7 @@
           <a:p>
             <a:fld id="{E8E694D9-23C1-429E-ADCA-FDB719CC5AE0}" type="datetimeFigureOut">
               <a:rPr kumimoji="1" lang="ja-JP" altLang="en-US" smtClean="0"/>
-              <a:t>2022/5/26</a:t>
+              <a:t>2022/5/27</a:t>
             </a:fld>
             <a:endParaRPr kumimoji="1" lang="ja-JP" altLang="en-US"/>
           </a:p>
@@ -4204,7 +4204,7 @@
           <a:p>
             <a:fld id="{E8E694D9-23C1-429E-ADCA-FDB719CC5AE0}" type="datetimeFigureOut">
               <a:rPr kumimoji="1" lang="ja-JP" altLang="en-US" smtClean="0"/>
-              <a:t>2022/5/26</a:t>
+              <a:t>2022/5/27</a:t>
             </a:fld>
             <a:endParaRPr kumimoji="1" lang="ja-JP" altLang="en-US"/>
           </a:p>
@@ -4533,7 +4533,7 @@
           <a:p>
             <a:fld id="{E8E694D9-23C1-429E-ADCA-FDB719CC5AE0}" type="datetimeFigureOut">
               <a:rPr kumimoji="1" lang="ja-JP" altLang="en-US" smtClean="0"/>
-              <a:t>2022/5/26</a:t>
+              <a:t>2022/5/27</a:t>
             </a:fld>
             <a:endParaRPr kumimoji="1" lang="ja-JP" altLang="en-US"/>
           </a:p>
@@ -5009,7 +5009,7 @@
           <a:p>
             <a:fld id="{E8E694D9-23C1-429E-ADCA-FDB719CC5AE0}" type="datetimeFigureOut">
               <a:rPr kumimoji="1" lang="ja-JP" altLang="en-US" smtClean="0"/>
-              <a:t>2022/5/26</a:t>
+              <a:t>2022/5/27</a:t>
             </a:fld>
             <a:endParaRPr kumimoji="1" lang="ja-JP" altLang="en-US"/>
           </a:p>
@@ -5150,7 +5150,7 @@
           <a:p>
             <a:fld id="{E8E694D9-23C1-429E-ADCA-FDB719CC5AE0}" type="datetimeFigureOut">
               <a:rPr kumimoji="1" lang="ja-JP" altLang="en-US" smtClean="0"/>
-              <a:t>2022/5/26</a:t>
+              <a:t>2022/5/27</a:t>
             </a:fld>
             <a:endParaRPr kumimoji="1" lang="ja-JP" altLang="en-US"/>
           </a:p>
@@ -5263,7 +5263,7 @@
           <a:p>
             <a:fld id="{E8E694D9-23C1-429E-ADCA-FDB719CC5AE0}" type="datetimeFigureOut">
               <a:rPr kumimoji="1" lang="ja-JP" altLang="en-US" smtClean="0"/>
-              <a:t>2022/5/26</a:t>
+              <a:t>2022/5/27</a:t>
             </a:fld>
             <a:endParaRPr kumimoji="1" lang="ja-JP" altLang="en-US"/>
           </a:p>
@@ -5606,7 +5606,7 @@
           <a:p>
             <a:fld id="{E8E694D9-23C1-429E-ADCA-FDB719CC5AE0}" type="datetimeFigureOut">
               <a:rPr kumimoji="1" lang="ja-JP" altLang="en-US" smtClean="0"/>
-              <a:t>2022/5/26</a:t>
+              <a:t>2022/5/27</a:t>
             </a:fld>
             <a:endParaRPr kumimoji="1" lang="ja-JP" altLang="en-US"/>
           </a:p>
@@ -5894,7 +5894,7 @@
           <a:p>
             <a:fld id="{E8E694D9-23C1-429E-ADCA-FDB719CC5AE0}" type="datetimeFigureOut">
               <a:rPr kumimoji="1" lang="ja-JP" altLang="en-US" smtClean="0"/>
-              <a:t>2022/5/26</a:t>
+              <a:t>2022/5/27</a:t>
             </a:fld>
             <a:endParaRPr kumimoji="1" lang="ja-JP" altLang="en-US"/>
           </a:p>
@@ -6167,7 +6167,7 @@
           <a:p>
             <a:fld id="{E8E694D9-23C1-429E-ADCA-FDB719CC5AE0}" type="datetimeFigureOut">
               <a:rPr kumimoji="1" lang="ja-JP" altLang="en-US" smtClean="0"/>
-              <a:t>2022/5/26</a:t>
+              <a:t>2022/5/27</a:t>
             </a:fld>
             <a:endParaRPr kumimoji="1" lang="ja-JP" altLang="en-US"/>
           </a:p>
@@ -19663,6 +19663,9 @@
           <a:p>
             <a:r>
               <a:rPr lang="ja-JP" altLang="en-US" sz="2000" dirty="0">
+                <a:solidFill>
+                  <a:srgbClr val="03BDBA"/>
+                </a:solidFill>
                 <a:latin typeface="コーポレート・ロゴ ver2 Medium" panose="02000600000000000000" pitchFamily="50" charset="-128"/>
                 <a:ea typeface="コーポレート・ロゴ ver2 Medium" panose="02000600000000000000" pitchFamily="50" charset="-128"/>
               </a:rPr>
@@ -19670,6 +19673,9 @@
             </a:r>
             <a:r>
               <a:rPr lang="en-US" altLang="ja-JP" sz="2000" dirty="0">
+                <a:solidFill>
+                  <a:srgbClr val="03BDBA"/>
+                </a:solidFill>
                 <a:latin typeface="コーポレート・ロゴ ver2 Medium" panose="02000600000000000000" pitchFamily="50" charset="-128"/>
                 <a:ea typeface="コーポレート・ロゴ ver2 Medium" panose="02000600000000000000" pitchFamily="50" charset="-128"/>
               </a:rPr>
@@ -25871,7 +25877,7 @@
                 <a:latin typeface="コーポレート・ロゴ ver2 Medium" panose="02000600000000000000" pitchFamily="50" charset="-128"/>
                 <a:ea typeface="コーポレート・ロゴ ver2 Medium" panose="02000600000000000000" pitchFamily="50" charset="-128"/>
               </a:rPr>
-              <a:t>カウントディレクトリ内から見た</a:t>
+              <a:t>カレントディレクトリ内から見た</a:t>
             </a:r>
             <a:endParaRPr lang="en-US" altLang="ja-JP" sz="2000" dirty="0">
               <a:solidFill>
